--- a/2019/13-EscapeAnalysis/EscapeAnalysis.pptx
+++ b/2019/13-EscapeAnalysis/EscapeAnalysis.pptx
@@ -216,7 +216,7 @@
           <a:p>
             <a:fld id="{F544A65A-9252-D24D-BE35-E482BE284603}" type="datetimeFigureOut">
               <a:rPr lang="en-US" smtClean="0"/>
-              <a:t>7/10/19</a:t>
+              <a:t>7/11/19</a:t>
             </a:fld>
             <a:endParaRPr lang="en-US"/>
           </a:p>
@@ -527,10 +527,7 @@
           <a:bodyPr/>
           <a:lstStyle/>
           <a:p>
-            <a:r>
-              <a:rPr lang="en-US" dirty="0"/>
-              <a:t>We will use *m* for methods and *t* for threads in the rest of the slides</a:t>
-            </a:r>
+            <a:endParaRPr lang="en-US"/>
           </a:p>
         </p:txBody>
       </p:sp>
@@ -551,7 +548,7 @@
           <a:p>
             <a:fld id="{7411A4FF-DED5-3D4D-A626-114F375D07D0}" type="slidenum">
               <a:rPr lang="en-US" smtClean="0"/>
-              <a:t>8</a:t>
+              <a:t>1</a:t>
             </a:fld>
             <a:endParaRPr lang="en-US"/>
           </a:p>
@@ -560,7 +557,951 @@
     </p:spTree>
     <p:extLst>
       <p:ext uri="{BB962C8B-B14F-4D97-AF65-F5344CB8AC3E}">
-        <p14:creationId xmlns:p14="http://schemas.microsoft.com/office/powerpoint/2010/main" val="6231800"/>
+        <p14:creationId xmlns:p14="http://schemas.microsoft.com/office/powerpoint/2010/main" val="2443647050"/>
+      </p:ext>
+    </p:extLst>
+  </p:cSld>
+  <p:clrMapOvr>
+    <a:masterClrMapping/>
+  </p:clrMapOvr>
+</p:notes>
+</file>
+
+<file path=ppt/notesSlides/notesSlide10.xml><?xml version="1.0" encoding="utf-8"?>
+<p:notes xmlns:a="http://schemas.openxmlformats.org/drawingml/2006/main" xmlns:r="http://schemas.openxmlformats.org/officeDocument/2006/relationships" xmlns:p="http://schemas.openxmlformats.org/presentationml/2006/main">
+  <p:cSld>
+    <p:spTree>
+      <p:nvGrpSpPr>
+        <p:cNvPr id="1" name=""/>
+        <p:cNvGrpSpPr/>
+        <p:nvPr/>
+      </p:nvGrpSpPr>
+      <p:grpSpPr>
+        <a:xfrm>
+          <a:off x="0" y="0"/>
+          <a:ext cx="0" cy="0"/>
+          <a:chOff x="0" y="0"/>
+          <a:chExt cx="0" cy="0"/>
+        </a:xfrm>
+      </p:grpSpPr>
+      <p:sp>
+        <p:nvSpPr>
+          <p:cNvPr id="2" name="Slide Image Placeholder 1"/>
+          <p:cNvSpPr>
+            <a:spLocks noGrp="1" noRot="1" noChangeAspect="1"/>
+          </p:cNvSpPr>
+          <p:nvPr>
+            <p:ph type="sldImg"/>
+          </p:nvPr>
+        </p:nvSpPr>
+        <p:spPr/>
+      </p:sp>
+      <p:sp>
+        <p:nvSpPr>
+          <p:cNvPr id="3" name="Notes Placeholder 2"/>
+          <p:cNvSpPr>
+            <a:spLocks noGrp="1"/>
+          </p:cNvSpPr>
+          <p:nvPr>
+            <p:ph type="body" idx="1"/>
+          </p:nvPr>
+        </p:nvSpPr>
+        <p:spPr/>
+        <p:txBody>
+          <a:bodyPr/>
+          <a:lstStyle/>
+          <a:p>
+            <a:r>
+              <a:rPr lang="en-US" dirty="0"/>
+              <a:t>Method calls grant access to the call target.</a:t>
+            </a:r>
+          </a:p>
+        </p:txBody>
+      </p:sp>
+      <p:sp>
+        <p:nvSpPr>
+          <p:cNvPr id="4" name="Slide Number Placeholder 3"/>
+          <p:cNvSpPr>
+            <a:spLocks noGrp="1"/>
+          </p:cNvSpPr>
+          <p:nvPr>
+            <p:ph type="sldNum" sz="quarter" idx="5"/>
+          </p:nvPr>
+        </p:nvSpPr>
+        <p:spPr/>
+        <p:txBody>
+          <a:bodyPr/>
+          <a:lstStyle/>
+          <a:p>
+            <a:fld id="{7411A4FF-DED5-3D4D-A626-114F375D07D0}" type="slidenum">
+              <a:rPr lang="en-US" smtClean="0"/>
+              <a:t>10</a:t>
+            </a:fld>
+            <a:endParaRPr lang="en-US"/>
+          </a:p>
+        </p:txBody>
+      </p:sp>
+    </p:spTree>
+    <p:extLst>
+      <p:ext uri="{BB962C8B-B14F-4D97-AF65-F5344CB8AC3E}">
+        <p14:creationId xmlns:p14="http://schemas.microsoft.com/office/powerpoint/2010/main" val="2811066193"/>
+      </p:ext>
+    </p:extLst>
+  </p:cSld>
+  <p:clrMapOvr>
+    <a:masterClrMapping/>
+  </p:clrMapOvr>
+</p:notes>
+</file>
+
+<file path=ppt/notesSlides/notesSlide11.xml><?xml version="1.0" encoding="utf-8"?>
+<p:notes xmlns:a="http://schemas.openxmlformats.org/drawingml/2006/main" xmlns:r="http://schemas.openxmlformats.org/officeDocument/2006/relationships" xmlns:p="http://schemas.openxmlformats.org/presentationml/2006/main">
+  <p:cSld>
+    <p:spTree>
+      <p:nvGrpSpPr>
+        <p:cNvPr id="1" name=""/>
+        <p:cNvGrpSpPr/>
+        <p:nvPr/>
+      </p:nvGrpSpPr>
+      <p:grpSpPr>
+        <a:xfrm>
+          <a:off x="0" y="0"/>
+          <a:ext cx="0" cy="0"/>
+          <a:chOff x="0" y="0"/>
+          <a:chExt cx="0" cy="0"/>
+        </a:xfrm>
+      </p:grpSpPr>
+      <p:sp>
+        <p:nvSpPr>
+          <p:cNvPr id="2" name="Slide Image Placeholder 1"/>
+          <p:cNvSpPr>
+            <a:spLocks noGrp="1" noRot="1" noChangeAspect="1"/>
+          </p:cNvSpPr>
+          <p:nvPr>
+            <p:ph type="sldImg"/>
+          </p:nvPr>
+        </p:nvSpPr>
+        <p:spPr/>
+      </p:sp>
+      <p:sp>
+        <p:nvSpPr>
+          <p:cNvPr id="3" name="Notes Placeholder 2"/>
+          <p:cNvSpPr>
+            <a:spLocks noGrp="1"/>
+          </p:cNvSpPr>
+          <p:nvPr>
+            <p:ph type="body" idx="1"/>
+          </p:nvPr>
+        </p:nvSpPr>
+        <p:spPr/>
+        <p:txBody>
+          <a:bodyPr/>
+          <a:lstStyle/>
+          <a:p>
+            <a:r>
+              <a:rPr lang="en-US" dirty="0"/>
+              <a:t>Access to o will be granted to all callers</a:t>
+            </a:r>
+          </a:p>
+        </p:txBody>
+      </p:sp>
+      <p:sp>
+        <p:nvSpPr>
+          <p:cNvPr id="4" name="Slide Number Placeholder 3"/>
+          <p:cNvSpPr>
+            <a:spLocks noGrp="1"/>
+          </p:cNvSpPr>
+          <p:nvPr>
+            <p:ph type="sldNum" sz="quarter" idx="5"/>
+          </p:nvPr>
+        </p:nvSpPr>
+        <p:spPr/>
+        <p:txBody>
+          <a:bodyPr/>
+          <a:lstStyle/>
+          <a:p>
+            <a:fld id="{7411A4FF-DED5-3D4D-A626-114F375D07D0}" type="slidenum">
+              <a:rPr lang="en-US" smtClean="0"/>
+              <a:t>11</a:t>
+            </a:fld>
+            <a:endParaRPr lang="en-US"/>
+          </a:p>
+        </p:txBody>
+      </p:sp>
+    </p:spTree>
+    <p:extLst>
+      <p:ext uri="{BB962C8B-B14F-4D97-AF65-F5344CB8AC3E}">
+        <p14:creationId xmlns:p14="http://schemas.microsoft.com/office/powerpoint/2010/main" val="4280907885"/>
+      </p:ext>
+    </p:extLst>
+  </p:cSld>
+  <p:clrMapOvr>
+    <a:masterClrMapping/>
+  </p:clrMapOvr>
+</p:notes>
+</file>
+
+<file path=ppt/notesSlides/notesSlide12.xml><?xml version="1.0" encoding="utf-8"?>
+<p:notes xmlns:a="http://schemas.openxmlformats.org/drawingml/2006/main" xmlns:r="http://schemas.openxmlformats.org/officeDocument/2006/relationships" xmlns:p="http://schemas.openxmlformats.org/presentationml/2006/main">
+  <p:cSld>
+    <p:spTree>
+      <p:nvGrpSpPr>
+        <p:cNvPr id="1" name=""/>
+        <p:cNvGrpSpPr/>
+        <p:nvPr/>
+      </p:nvGrpSpPr>
+      <p:grpSpPr>
+        <a:xfrm>
+          <a:off x="0" y="0"/>
+          <a:ext cx="0" cy="0"/>
+          <a:chOff x="0" y="0"/>
+          <a:chExt cx="0" cy="0"/>
+        </a:xfrm>
+      </p:grpSpPr>
+      <p:sp>
+        <p:nvSpPr>
+          <p:cNvPr id="2" name="Slide Image Placeholder 1"/>
+          <p:cNvSpPr>
+            <a:spLocks noGrp="1" noRot="1" noChangeAspect="1"/>
+          </p:cNvSpPr>
+          <p:nvPr>
+            <p:ph type="sldImg"/>
+          </p:nvPr>
+        </p:nvSpPr>
+        <p:spPr/>
+      </p:sp>
+      <p:sp>
+        <p:nvSpPr>
+          <p:cNvPr id="3" name="Notes Placeholder 2"/>
+          <p:cNvSpPr>
+            <a:spLocks noGrp="1"/>
+          </p:cNvSpPr>
+          <p:nvPr>
+            <p:ph type="body" idx="1"/>
+          </p:nvPr>
+        </p:nvSpPr>
+        <p:spPr/>
+        <p:txBody>
+          <a:bodyPr/>
+          <a:lstStyle/>
+          <a:p>
+            <a:endParaRPr lang="en-US"/>
+          </a:p>
+        </p:txBody>
+      </p:sp>
+      <p:sp>
+        <p:nvSpPr>
+          <p:cNvPr id="4" name="Slide Number Placeholder 3"/>
+          <p:cNvSpPr>
+            <a:spLocks noGrp="1"/>
+          </p:cNvSpPr>
+          <p:nvPr>
+            <p:ph type="sldNum" sz="quarter" idx="5"/>
+          </p:nvPr>
+        </p:nvSpPr>
+        <p:spPr/>
+        <p:txBody>
+          <a:bodyPr/>
+          <a:lstStyle/>
+          <a:p>
+            <a:fld id="{7411A4FF-DED5-3D4D-A626-114F375D07D0}" type="slidenum">
+              <a:rPr lang="en-US" smtClean="0"/>
+              <a:t>12</a:t>
+            </a:fld>
+            <a:endParaRPr lang="en-US"/>
+          </a:p>
+        </p:txBody>
+      </p:sp>
+    </p:spTree>
+    <p:extLst>
+      <p:ext uri="{BB962C8B-B14F-4D97-AF65-F5344CB8AC3E}">
+        <p14:creationId xmlns:p14="http://schemas.microsoft.com/office/powerpoint/2010/main" val="652717351"/>
+      </p:ext>
+    </p:extLst>
+  </p:cSld>
+  <p:clrMapOvr>
+    <a:masterClrMapping/>
+  </p:clrMapOvr>
+</p:notes>
+</file>
+
+<file path=ppt/notesSlides/notesSlide13.xml><?xml version="1.0" encoding="utf-8"?>
+<p:notes xmlns:a="http://schemas.openxmlformats.org/drawingml/2006/main" xmlns:r="http://schemas.openxmlformats.org/officeDocument/2006/relationships" xmlns:p="http://schemas.openxmlformats.org/presentationml/2006/main">
+  <p:cSld>
+    <p:spTree>
+      <p:nvGrpSpPr>
+        <p:cNvPr id="1" name=""/>
+        <p:cNvGrpSpPr/>
+        <p:nvPr/>
+      </p:nvGrpSpPr>
+      <p:grpSpPr>
+        <a:xfrm>
+          <a:off x="0" y="0"/>
+          <a:ext cx="0" cy="0"/>
+          <a:chOff x="0" y="0"/>
+          <a:chExt cx="0" cy="0"/>
+        </a:xfrm>
+      </p:grpSpPr>
+      <p:sp>
+        <p:nvSpPr>
+          <p:cNvPr id="2" name="Slide Image Placeholder 1"/>
+          <p:cNvSpPr>
+            <a:spLocks noGrp="1" noRot="1" noChangeAspect="1"/>
+          </p:cNvSpPr>
+          <p:nvPr>
+            <p:ph type="sldImg"/>
+          </p:nvPr>
+        </p:nvSpPr>
+        <p:spPr/>
+      </p:sp>
+      <p:sp>
+        <p:nvSpPr>
+          <p:cNvPr id="3" name="Notes Placeholder 2"/>
+          <p:cNvSpPr>
+            <a:spLocks noGrp="1"/>
+          </p:cNvSpPr>
+          <p:nvPr>
+            <p:ph type="body" idx="1"/>
+          </p:nvPr>
+        </p:nvSpPr>
+        <p:spPr/>
+        <p:txBody>
+          <a:bodyPr/>
+          <a:lstStyle/>
+          <a:p>
+            <a:endParaRPr lang="en-US" dirty="0"/>
+          </a:p>
+        </p:txBody>
+      </p:sp>
+      <p:sp>
+        <p:nvSpPr>
+          <p:cNvPr id="4" name="Slide Number Placeholder 3"/>
+          <p:cNvSpPr>
+            <a:spLocks noGrp="1"/>
+          </p:cNvSpPr>
+          <p:nvPr>
+            <p:ph type="sldNum" sz="quarter" idx="5"/>
+          </p:nvPr>
+        </p:nvSpPr>
+        <p:spPr/>
+        <p:txBody>
+          <a:bodyPr/>
+          <a:lstStyle/>
+          <a:p>
+            <a:fld id="{7411A4FF-DED5-3D4D-A626-114F375D07D0}" type="slidenum">
+              <a:rPr lang="en-US" smtClean="0"/>
+              <a:t>13</a:t>
+            </a:fld>
+            <a:endParaRPr lang="en-US"/>
+          </a:p>
+        </p:txBody>
+      </p:sp>
+    </p:spTree>
+    <p:extLst>
+      <p:ext uri="{BB962C8B-B14F-4D97-AF65-F5344CB8AC3E}">
+        <p14:creationId xmlns:p14="http://schemas.microsoft.com/office/powerpoint/2010/main" val="1858156308"/>
+      </p:ext>
+    </p:extLst>
+  </p:cSld>
+  <p:clrMapOvr>
+    <a:masterClrMapping/>
+  </p:clrMapOvr>
+</p:notes>
+</file>
+
+<file path=ppt/notesSlides/notesSlide14.xml><?xml version="1.0" encoding="utf-8"?>
+<p:notes xmlns:a="http://schemas.openxmlformats.org/drawingml/2006/main" xmlns:r="http://schemas.openxmlformats.org/officeDocument/2006/relationships" xmlns:p="http://schemas.openxmlformats.org/presentationml/2006/main">
+  <p:cSld>
+    <p:spTree>
+      <p:nvGrpSpPr>
+        <p:cNvPr id="1" name=""/>
+        <p:cNvGrpSpPr/>
+        <p:nvPr/>
+      </p:nvGrpSpPr>
+      <p:grpSpPr>
+        <a:xfrm>
+          <a:off x="0" y="0"/>
+          <a:ext cx="0" cy="0"/>
+          <a:chOff x="0" y="0"/>
+          <a:chExt cx="0" cy="0"/>
+        </a:xfrm>
+      </p:grpSpPr>
+      <p:sp>
+        <p:nvSpPr>
+          <p:cNvPr id="2" name="Slide Image Placeholder 1"/>
+          <p:cNvSpPr>
+            <a:spLocks noGrp="1" noRot="1" noChangeAspect="1"/>
+          </p:cNvSpPr>
+          <p:nvPr>
+            <p:ph type="sldImg"/>
+          </p:nvPr>
+        </p:nvSpPr>
+        <p:spPr/>
+      </p:sp>
+      <p:sp>
+        <p:nvSpPr>
+          <p:cNvPr id="3" name="Notes Placeholder 2"/>
+          <p:cNvSpPr>
+            <a:spLocks noGrp="1"/>
+          </p:cNvSpPr>
+          <p:nvPr>
+            <p:ph type="body" idx="1"/>
+          </p:nvPr>
+        </p:nvSpPr>
+        <p:spPr/>
+        <p:txBody>
+          <a:bodyPr/>
+          <a:lstStyle/>
+          <a:p>
+            <a:endParaRPr lang="en-US"/>
+          </a:p>
+        </p:txBody>
+      </p:sp>
+      <p:sp>
+        <p:nvSpPr>
+          <p:cNvPr id="4" name="Slide Number Placeholder 3"/>
+          <p:cNvSpPr>
+            <a:spLocks noGrp="1"/>
+          </p:cNvSpPr>
+          <p:nvPr>
+            <p:ph type="sldNum" sz="quarter" idx="5"/>
+          </p:nvPr>
+        </p:nvSpPr>
+        <p:spPr/>
+        <p:txBody>
+          <a:bodyPr/>
+          <a:lstStyle/>
+          <a:p>
+            <a:fld id="{7411A4FF-DED5-3D4D-A626-114F375D07D0}" type="slidenum">
+              <a:rPr lang="en-US" smtClean="0"/>
+              <a:t>14</a:t>
+            </a:fld>
+            <a:endParaRPr lang="en-US"/>
+          </a:p>
+        </p:txBody>
+      </p:sp>
+    </p:spTree>
+    <p:extLst>
+      <p:ext uri="{BB962C8B-B14F-4D97-AF65-F5344CB8AC3E}">
+        <p14:creationId xmlns:p14="http://schemas.microsoft.com/office/powerpoint/2010/main" val="2169335676"/>
+      </p:ext>
+    </p:extLst>
+  </p:cSld>
+  <p:clrMapOvr>
+    <a:masterClrMapping/>
+  </p:clrMapOvr>
+</p:notes>
+</file>
+
+<file path=ppt/notesSlides/notesSlide15.xml><?xml version="1.0" encoding="utf-8"?>
+<p:notes xmlns:a="http://schemas.openxmlformats.org/drawingml/2006/main" xmlns:r="http://schemas.openxmlformats.org/officeDocument/2006/relationships" xmlns:p="http://schemas.openxmlformats.org/presentationml/2006/main">
+  <p:cSld>
+    <p:spTree>
+      <p:nvGrpSpPr>
+        <p:cNvPr id="1" name=""/>
+        <p:cNvGrpSpPr/>
+        <p:nvPr/>
+      </p:nvGrpSpPr>
+      <p:grpSpPr>
+        <a:xfrm>
+          <a:off x="0" y="0"/>
+          <a:ext cx="0" cy="0"/>
+          <a:chOff x="0" y="0"/>
+          <a:chExt cx="0" cy="0"/>
+        </a:xfrm>
+      </p:grpSpPr>
+      <p:sp>
+        <p:nvSpPr>
+          <p:cNvPr id="2" name="Slide Image Placeholder 1"/>
+          <p:cNvSpPr>
+            <a:spLocks noGrp="1" noRot="1" noChangeAspect="1"/>
+          </p:cNvSpPr>
+          <p:nvPr>
+            <p:ph type="sldImg"/>
+          </p:nvPr>
+        </p:nvSpPr>
+        <p:spPr/>
+      </p:sp>
+      <p:sp>
+        <p:nvSpPr>
+          <p:cNvPr id="3" name="Notes Placeholder 2"/>
+          <p:cNvSpPr>
+            <a:spLocks noGrp="1"/>
+          </p:cNvSpPr>
+          <p:nvPr>
+            <p:ph type="body" idx="1"/>
+          </p:nvPr>
+        </p:nvSpPr>
+        <p:spPr/>
+        <p:txBody>
+          <a:bodyPr/>
+          <a:lstStyle/>
+          <a:p>
+            <a:r>
+              <a:rPr lang="en-US" dirty="0"/>
+              <a:t>c: Method call</a:t>
+            </a:r>
+          </a:p>
+          <a:p>
+            <a:r>
+              <a:rPr lang="en-US" dirty="0"/>
+              <a:t>r: Return value</a:t>
+            </a:r>
+          </a:p>
+          <a:p>
+            <a:r>
+              <a:rPr lang="en-US" dirty="0"/>
+              <a:t>a: Abnormal return</a:t>
+            </a:r>
+          </a:p>
+          <a:p>
+            <a:r>
+              <a:rPr lang="en-US" dirty="0"/>
+              <a:t>p: field of parameter</a:t>
+            </a:r>
+          </a:p>
+          <a:p>
+            <a:r>
+              <a:rPr lang="en-US" dirty="0"/>
+              <a:t>s: static field write</a:t>
+            </a:r>
+          </a:p>
+          <a:p>
+            <a:endParaRPr lang="en-US" dirty="0"/>
+          </a:p>
+          <a:p>
+            <a:r>
+              <a:rPr lang="en-US" dirty="0"/>
+              <a:t>A naïve way to represent escape states would be to model sets of language features that correlate to escape information.</a:t>
+            </a:r>
+          </a:p>
+          <a:p>
+            <a:r>
+              <a:rPr lang="en-US" dirty="0"/>
+              <a:t>This would result in this subset lattice.</a:t>
+            </a:r>
+          </a:p>
+        </p:txBody>
+      </p:sp>
+      <p:sp>
+        <p:nvSpPr>
+          <p:cNvPr id="4" name="Slide Number Placeholder 3"/>
+          <p:cNvSpPr>
+            <a:spLocks noGrp="1"/>
+          </p:cNvSpPr>
+          <p:nvPr>
+            <p:ph type="sldNum" sz="quarter" idx="5"/>
+          </p:nvPr>
+        </p:nvSpPr>
+        <p:spPr/>
+        <p:txBody>
+          <a:bodyPr/>
+          <a:lstStyle/>
+          <a:p>
+            <a:fld id="{7411A4FF-DED5-3D4D-A626-114F375D07D0}" type="slidenum">
+              <a:rPr lang="en-US" smtClean="0"/>
+              <a:t>15</a:t>
+            </a:fld>
+            <a:endParaRPr lang="en-US"/>
+          </a:p>
+        </p:txBody>
+      </p:sp>
+    </p:spTree>
+    <p:extLst>
+      <p:ext uri="{BB962C8B-B14F-4D97-AF65-F5344CB8AC3E}">
+        <p14:creationId xmlns:p14="http://schemas.microsoft.com/office/powerpoint/2010/main" val="385374874"/>
+      </p:ext>
+    </p:extLst>
+  </p:cSld>
+  <p:clrMapOvr>
+    <a:masterClrMapping/>
+  </p:clrMapOvr>
+</p:notes>
+</file>
+
+<file path=ppt/notesSlides/notesSlide16.xml><?xml version="1.0" encoding="utf-8"?>
+<p:notes xmlns:a="http://schemas.openxmlformats.org/drawingml/2006/main" xmlns:r="http://schemas.openxmlformats.org/officeDocument/2006/relationships" xmlns:p="http://schemas.openxmlformats.org/presentationml/2006/main">
+  <p:cSld>
+    <p:spTree>
+      <p:nvGrpSpPr>
+        <p:cNvPr id="1" name=""/>
+        <p:cNvGrpSpPr/>
+        <p:nvPr/>
+      </p:nvGrpSpPr>
+      <p:grpSpPr>
+        <a:xfrm>
+          <a:off x="0" y="0"/>
+          <a:ext cx="0" cy="0"/>
+          <a:chOff x="0" y="0"/>
+          <a:chExt cx="0" cy="0"/>
+        </a:xfrm>
+      </p:grpSpPr>
+      <p:sp>
+        <p:nvSpPr>
+          <p:cNvPr id="2" name="Slide Image Placeholder 1"/>
+          <p:cNvSpPr>
+            <a:spLocks noGrp="1" noRot="1" noChangeAspect="1"/>
+          </p:cNvSpPr>
+          <p:nvPr>
+            <p:ph type="sldImg"/>
+          </p:nvPr>
+        </p:nvSpPr>
+        <p:spPr/>
+      </p:sp>
+      <p:sp>
+        <p:nvSpPr>
+          <p:cNvPr id="3" name="Notes Placeholder 2"/>
+          <p:cNvSpPr>
+            <a:spLocks noGrp="1"/>
+          </p:cNvSpPr>
+          <p:nvPr>
+            <p:ph type="body" idx="1"/>
+          </p:nvPr>
+        </p:nvSpPr>
+        <p:spPr/>
+        <p:txBody>
+          <a:bodyPr/>
+          <a:lstStyle/>
+          <a:p>
+            <a:r>
+              <a:rPr lang="en-US" dirty="0"/>
+              <a:t>c: Method call</a:t>
+            </a:r>
+          </a:p>
+          <a:p>
+            <a:r>
+              <a:rPr lang="en-US" dirty="0"/>
+              <a:t>r: Return value</a:t>
+            </a:r>
+          </a:p>
+          <a:p>
+            <a:r>
+              <a:rPr lang="en-US" dirty="0"/>
+              <a:t>a: Abnormal return</a:t>
+            </a:r>
+          </a:p>
+          <a:p>
+            <a:r>
+              <a:rPr lang="en-US" dirty="0"/>
+              <a:t>p: field of parameter</a:t>
+            </a:r>
+          </a:p>
+          <a:p>
+            <a:r>
+              <a:rPr lang="en-US" dirty="0"/>
+              <a:t>s: static field write</a:t>
+            </a:r>
+          </a:p>
+          <a:p>
+            <a:endParaRPr lang="en-US" dirty="0"/>
+          </a:p>
+          <a:p>
+            <a:r>
+              <a:rPr lang="en-US" dirty="0"/>
+              <a:t>The subset lattice has redundant information when mapped back to the impact to lifetime/access properties, e.g. all sets that contain ”s” are a bound for lifetime and access.</a:t>
+            </a:r>
+          </a:p>
+          <a:p>
+            <a:r>
+              <a:rPr lang="en-US" dirty="0"/>
+              <a:t>We can restrict the lattice to the given one. </a:t>
+            </a:r>
+          </a:p>
+          <a:p>
+            <a:r>
+              <a:rPr lang="en-US" dirty="0"/>
+              <a:t>Furthermore, it might not be needed to distinguish between “a” and “r”, but this may help clients </a:t>
+            </a:r>
+            <a:r>
+              <a:rPr lang="en-US"/>
+              <a:t>to distinguish.</a:t>
+            </a:r>
+            <a:endParaRPr lang="en-US" dirty="0"/>
+          </a:p>
+        </p:txBody>
+      </p:sp>
+      <p:sp>
+        <p:nvSpPr>
+          <p:cNvPr id="4" name="Slide Number Placeholder 3"/>
+          <p:cNvSpPr>
+            <a:spLocks noGrp="1"/>
+          </p:cNvSpPr>
+          <p:nvPr>
+            <p:ph type="sldNum" sz="quarter" idx="5"/>
+          </p:nvPr>
+        </p:nvSpPr>
+        <p:spPr/>
+        <p:txBody>
+          <a:bodyPr/>
+          <a:lstStyle/>
+          <a:p>
+            <a:fld id="{7411A4FF-DED5-3D4D-A626-114F375D07D0}" type="slidenum">
+              <a:rPr lang="en-US" smtClean="0"/>
+              <a:t>16</a:t>
+            </a:fld>
+            <a:endParaRPr lang="en-US"/>
+          </a:p>
+        </p:txBody>
+      </p:sp>
+    </p:spTree>
+    <p:extLst>
+      <p:ext uri="{BB962C8B-B14F-4D97-AF65-F5344CB8AC3E}">
+        <p14:creationId xmlns:p14="http://schemas.microsoft.com/office/powerpoint/2010/main" val="4039475646"/>
+      </p:ext>
+    </p:extLst>
+  </p:cSld>
+  <p:clrMapOvr>
+    <a:masterClrMapping/>
+  </p:clrMapOvr>
+</p:notes>
+</file>
+
+<file path=ppt/notesSlides/notesSlide17.xml><?xml version="1.0" encoding="utf-8"?>
+<p:notes xmlns:a="http://schemas.openxmlformats.org/drawingml/2006/main" xmlns:r="http://schemas.openxmlformats.org/officeDocument/2006/relationships" xmlns:p="http://schemas.openxmlformats.org/presentationml/2006/main">
+  <p:cSld>
+    <p:spTree>
+      <p:nvGrpSpPr>
+        <p:cNvPr id="1" name=""/>
+        <p:cNvGrpSpPr/>
+        <p:nvPr/>
+      </p:nvGrpSpPr>
+      <p:grpSpPr>
+        <a:xfrm>
+          <a:off x="0" y="0"/>
+          <a:ext cx="0" cy="0"/>
+          <a:chOff x="0" y="0"/>
+          <a:chExt cx="0" cy="0"/>
+        </a:xfrm>
+      </p:grpSpPr>
+      <p:sp>
+        <p:nvSpPr>
+          <p:cNvPr id="2" name="Slide Image Placeholder 1"/>
+          <p:cNvSpPr>
+            <a:spLocks noGrp="1" noRot="1" noChangeAspect="1"/>
+          </p:cNvSpPr>
+          <p:nvPr>
+            <p:ph type="sldImg"/>
+          </p:nvPr>
+        </p:nvSpPr>
+        <p:spPr/>
+      </p:sp>
+      <p:sp>
+        <p:nvSpPr>
+          <p:cNvPr id="3" name="Notes Placeholder 2"/>
+          <p:cNvSpPr>
+            <a:spLocks noGrp="1"/>
+          </p:cNvSpPr>
+          <p:nvPr>
+            <p:ph type="body" idx="1"/>
+          </p:nvPr>
+        </p:nvSpPr>
+        <p:spPr/>
+        <p:txBody>
+          <a:bodyPr/>
+          <a:lstStyle/>
+          <a:p>
+            <a:endParaRPr lang="en-US"/>
+          </a:p>
+        </p:txBody>
+      </p:sp>
+      <p:sp>
+        <p:nvSpPr>
+          <p:cNvPr id="4" name="Slide Number Placeholder 3"/>
+          <p:cNvSpPr>
+            <a:spLocks noGrp="1"/>
+          </p:cNvSpPr>
+          <p:nvPr>
+            <p:ph type="sldNum" sz="quarter" idx="5"/>
+          </p:nvPr>
+        </p:nvSpPr>
+        <p:spPr/>
+        <p:txBody>
+          <a:bodyPr/>
+          <a:lstStyle/>
+          <a:p>
+            <a:fld id="{7411A4FF-DED5-3D4D-A626-114F375D07D0}" type="slidenum">
+              <a:rPr lang="en-US" smtClean="0"/>
+              <a:t>17</a:t>
+            </a:fld>
+            <a:endParaRPr lang="en-US"/>
+          </a:p>
+        </p:txBody>
+      </p:sp>
+    </p:spTree>
+    <p:extLst>
+      <p:ext uri="{BB962C8B-B14F-4D97-AF65-F5344CB8AC3E}">
+        <p14:creationId xmlns:p14="http://schemas.microsoft.com/office/powerpoint/2010/main" val="1284503126"/>
+      </p:ext>
+    </p:extLst>
+  </p:cSld>
+  <p:clrMapOvr>
+    <a:masterClrMapping/>
+  </p:clrMapOvr>
+</p:notes>
+</file>
+
+<file path=ppt/notesSlides/notesSlide18.xml><?xml version="1.0" encoding="utf-8"?>
+<p:notes xmlns:a="http://schemas.openxmlformats.org/drawingml/2006/main" xmlns:r="http://schemas.openxmlformats.org/officeDocument/2006/relationships" xmlns:p="http://schemas.openxmlformats.org/presentationml/2006/main">
+  <p:cSld>
+    <p:spTree>
+      <p:nvGrpSpPr>
+        <p:cNvPr id="1" name=""/>
+        <p:cNvGrpSpPr/>
+        <p:nvPr/>
+      </p:nvGrpSpPr>
+      <p:grpSpPr>
+        <a:xfrm>
+          <a:off x="0" y="0"/>
+          <a:ext cx="0" cy="0"/>
+          <a:chOff x="0" y="0"/>
+          <a:chExt cx="0" cy="0"/>
+        </a:xfrm>
+      </p:grpSpPr>
+      <p:sp>
+        <p:nvSpPr>
+          <p:cNvPr id="2" name="Slide Image Placeholder 1"/>
+          <p:cNvSpPr>
+            <a:spLocks noGrp="1" noRot="1" noChangeAspect="1"/>
+          </p:cNvSpPr>
+          <p:nvPr>
+            <p:ph type="sldImg"/>
+          </p:nvPr>
+        </p:nvSpPr>
+        <p:spPr/>
+      </p:sp>
+      <p:sp>
+        <p:nvSpPr>
+          <p:cNvPr id="3" name="Notes Placeholder 2"/>
+          <p:cNvSpPr>
+            <a:spLocks noGrp="1"/>
+          </p:cNvSpPr>
+          <p:nvPr>
+            <p:ph type="body" idx="1"/>
+          </p:nvPr>
+        </p:nvSpPr>
+        <p:spPr/>
+        <p:txBody>
+          <a:bodyPr/>
+          <a:lstStyle/>
+          <a:p>
+            <a:r>
+              <a:rPr lang="en-US" dirty="0"/>
+              <a:t>Handling fields requires to reason about the aliases and escape information of the base object.</a:t>
+            </a:r>
+          </a:p>
+        </p:txBody>
+      </p:sp>
+      <p:sp>
+        <p:nvSpPr>
+          <p:cNvPr id="4" name="Slide Number Placeholder 3"/>
+          <p:cNvSpPr>
+            <a:spLocks noGrp="1"/>
+          </p:cNvSpPr>
+          <p:nvPr>
+            <p:ph type="sldNum" sz="quarter" idx="5"/>
+          </p:nvPr>
+        </p:nvSpPr>
+        <p:spPr/>
+        <p:txBody>
+          <a:bodyPr/>
+          <a:lstStyle/>
+          <a:p>
+            <a:fld id="{7411A4FF-DED5-3D4D-A626-114F375D07D0}" type="slidenum">
+              <a:rPr lang="en-US" smtClean="0"/>
+              <a:t>18</a:t>
+            </a:fld>
+            <a:endParaRPr lang="en-US"/>
+          </a:p>
+        </p:txBody>
+      </p:sp>
+    </p:spTree>
+    <p:extLst>
+      <p:ext uri="{BB962C8B-B14F-4D97-AF65-F5344CB8AC3E}">
+        <p14:creationId xmlns:p14="http://schemas.microsoft.com/office/powerpoint/2010/main" val="2818114360"/>
+      </p:ext>
+    </p:extLst>
+  </p:cSld>
+  <p:clrMapOvr>
+    <a:masterClrMapping/>
+  </p:clrMapOvr>
+</p:notes>
+</file>
+
+<file path=ppt/notesSlides/notesSlide19.xml><?xml version="1.0" encoding="utf-8"?>
+<p:notes xmlns:a="http://schemas.openxmlformats.org/drawingml/2006/main" xmlns:r="http://schemas.openxmlformats.org/officeDocument/2006/relationships" xmlns:p="http://schemas.openxmlformats.org/presentationml/2006/main">
+  <p:cSld>
+    <p:spTree>
+      <p:nvGrpSpPr>
+        <p:cNvPr id="1" name=""/>
+        <p:cNvGrpSpPr/>
+        <p:nvPr/>
+      </p:nvGrpSpPr>
+      <p:grpSpPr>
+        <a:xfrm>
+          <a:off x="0" y="0"/>
+          <a:ext cx="0" cy="0"/>
+          <a:chOff x="0" y="0"/>
+          <a:chExt cx="0" cy="0"/>
+        </a:xfrm>
+      </p:grpSpPr>
+      <p:sp>
+        <p:nvSpPr>
+          <p:cNvPr id="2" name="Slide Image Placeholder 1"/>
+          <p:cNvSpPr>
+            <a:spLocks noGrp="1" noRot="1" noChangeAspect="1"/>
+          </p:cNvSpPr>
+          <p:nvPr>
+            <p:ph type="sldImg"/>
+          </p:nvPr>
+        </p:nvSpPr>
+        <p:spPr/>
+      </p:sp>
+      <p:sp>
+        <p:nvSpPr>
+          <p:cNvPr id="3" name="Notes Placeholder 2"/>
+          <p:cNvSpPr>
+            <a:spLocks noGrp="1"/>
+          </p:cNvSpPr>
+          <p:nvPr>
+            <p:ph type="body" idx="1"/>
+          </p:nvPr>
+        </p:nvSpPr>
+        <p:spPr/>
+        <p:txBody>
+          <a:bodyPr/>
+          <a:lstStyle/>
+          <a:p>
+            <a:endParaRPr lang="en-US"/>
+          </a:p>
+        </p:txBody>
+      </p:sp>
+      <p:sp>
+        <p:nvSpPr>
+          <p:cNvPr id="4" name="Slide Number Placeholder 3"/>
+          <p:cNvSpPr>
+            <a:spLocks noGrp="1"/>
+          </p:cNvSpPr>
+          <p:nvPr>
+            <p:ph type="sldNum" sz="quarter" idx="5"/>
+          </p:nvPr>
+        </p:nvSpPr>
+        <p:spPr/>
+        <p:txBody>
+          <a:bodyPr/>
+          <a:lstStyle/>
+          <a:p>
+            <a:fld id="{7411A4FF-DED5-3D4D-A626-114F375D07D0}" type="slidenum">
+              <a:rPr lang="en-US" smtClean="0"/>
+              <a:t>19</a:t>
+            </a:fld>
+            <a:endParaRPr lang="en-US"/>
+          </a:p>
+        </p:txBody>
+      </p:sp>
+    </p:spTree>
+    <p:extLst>
+      <p:ext uri="{BB962C8B-B14F-4D97-AF65-F5344CB8AC3E}">
+        <p14:creationId xmlns:p14="http://schemas.microsoft.com/office/powerpoint/2010/main" val="1646945236"/>
       </p:ext>
     </p:extLst>
   </p:cSld>
@@ -614,15 +1555,7 @@
           <a:bodyPr/>
           <a:lstStyle/>
           <a:p>
-            <a:r>
-              <a:rPr lang="en-US" dirty="0"/>
-              <a:t>For case 2, it depends on whether m’ can be </a:t>
-            </a:r>
-            <a:r>
-              <a:rPr lang="en-US" dirty="0" err="1"/>
-              <a:t>inlined</a:t>
-            </a:r>
-            <a:endParaRPr lang="en-US" dirty="0"/>
+            <a:endParaRPr lang="en-US"/>
           </a:p>
         </p:txBody>
       </p:sp>
@@ -643,7 +1576,7 @@
           <a:p>
             <a:fld id="{7411A4FF-DED5-3D4D-A626-114F375D07D0}" type="slidenum">
               <a:rPr lang="en-US" smtClean="0"/>
-              <a:t>9</a:t>
+              <a:t>2</a:t>
             </a:fld>
             <a:endParaRPr lang="en-US"/>
           </a:p>
@@ -652,7 +1585,91 @@
     </p:spTree>
     <p:extLst>
       <p:ext uri="{BB962C8B-B14F-4D97-AF65-F5344CB8AC3E}">
-        <p14:creationId xmlns:p14="http://schemas.microsoft.com/office/powerpoint/2010/main" val="1564456556"/>
+        <p14:creationId xmlns:p14="http://schemas.microsoft.com/office/powerpoint/2010/main" val="1800082889"/>
+      </p:ext>
+    </p:extLst>
+  </p:cSld>
+  <p:clrMapOvr>
+    <a:masterClrMapping/>
+  </p:clrMapOvr>
+</p:notes>
+</file>
+
+<file path=ppt/notesSlides/notesSlide20.xml><?xml version="1.0" encoding="utf-8"?>
+<p:notes xmlns:a="http://schemas.openxmlformats.org/drawingml/2006/main" xmlns:r="http://schemas.openxmlformats.org/officeDocument/2006/relationships" xmlns:p="http://schemas.openxmlformats.org/presentationml/2006/main">
+  <p:cSld>
+    <p:spTree>
+      <p:nvGrpSpPr>
+        <p:cNvPr id="1" name=""/>
+        <p:cNvGrpSpPr/>
+        <p:nvPr/>
+      </p:nvGrpSpPr>
+      <p:grpSpPr>
+        <a:xfrm>
+          <a:off x="0" y="0"/>
+          <a:ext cx="0" cy="0"/>
+          <a:chOff x="0" y="0"/>
+          <a:chExt cx="0" cy="0"/>
+        </a:xfrm>
+      </p:grpSpPr>
+      <p:sp>
+        <p:nvSpPr>
+          <p:cNvPr id="2" name="Slide Image Placeholder 1"/>
+          <p:cNvSpPr>
+            <a:spLocks noGrp="1" noRot="1" noChangeAspect="1"/>
+          </p:cNvSpPr>
+          <p:nvPr>
+            <p:ph type="sldImg"/>
+          </p:nvPr>
+        </p:nvSpPr>
+        <p:spPr/>
+      </p:sp>
+      <p:sp>
+        <p:nvSpPr>
+          <p:cNvPr id="3" name="Notes Placeholder 2"/>
+          <p:cNvSpPr>
+            <a:spLocks noGrp="1"/>
+          </p:cNvSpPr>
+          <p:nvPr>
+            <p:ph type="body" idx="1"/>
+          </p:nvPr>
+        </p:nvSpPr>
+        <p:spPr/>
+        <p:txBody>
+          <a:bodyPr/>
+          <a:lstStyle/>
+          <a:p>
+            <a:endParaRPr lang="en-US"/>
+          </a:p>
+        </p:txBody>
+      </p:sp>
+      <p:sp>
+        <p:nvSpPr>
+          <p:cNvPr id="4" name="Slide Number Placeholder 3"/>
+          <p:cNvSpPr>
+            <a:spLocks noGrp="1"/>
+          </p:cNvSpPr>
+          <p:nvPr>
+            <p:ph type="sldNum" sz="quarter" idx="5"/>
+          </p:nvPr>
+        </p:nvSpPr>
+        <p:spPr/>
+        <p:txBody>
+          <a:bodyPr/>
+          <a:lstStyle/>
+          <a:p>
+            <a:fld id="{7411A4FF-DED5-3D4D-A626-114F375D07D0}" type="slidenum">
+              <a:rPr lang="en-US" smtClean="0"/>
+              <a:t>20</a:t>
+            </a:fld>
+            <a:endParaRPr lang="en-US"/>
+          </a:p>
+        </p:txBody>
+      </p:sp>
+    </p:spTree>
+    <p:extLst>
+      <p:ext uri="{BB962C8B-B14F-4D97-AF65-F5344CB8AC3E}">
+        <p14:creationId xmlns:p14="http://schemas.microsoft.com/office/powerpoint/2010/main" val="3661981525"/>
       </p:ext>
     </p:extLst>
   </p:cSld>
@@ -706,10 +1723,7 @@
           <a:bodyPr/>
           <a:lstStyle/>
           <a:p>
-            <a:r>
-              <a:rPr lang="en-US" dirty="0"/>
-              <a:t>Method calls grant access to the call target.</a:t>
-            </a:r>
+            <a:endParaRPr lang="en-US"/>
           </a:p>
         </p:txBody>
       </p:sp>
@@ -730,7 +1744,7 @@
           <a:p>
             <a:fld id="{7411A4FF-DED5-3D4D-A626-114F375D07D0}" type="slidenum">
               <a:rPr lang="en-US" smtClean="0"/>
-              <a:t>10</a:t>
+              <a:t>3</a:t>
             </a:fld>
             <a:endParaRPr lang="en-US"/>
           </a:p>
@@ -739,7 +1753,7 @@
     </p:spTree>
     <p:extLst>
       <p:ext uri="{BB962C8B-B14F-4D97-AF65-F5344CB8AC3E}">
-        <p14:creationId xmlns:p14="http://schemas.microsoft.com/office/powerpoint/2010/main" val="2811066193"/>
+        <p14:creationId xmlns:p14="http://schemas.microsoft.com/office/powerpoint/2010/main" val="612504092"/>
       </p:ext>
     </p:extLst>
   </p:cSld>
@@ -795,7 +1809,25 @@
           <a:p>
             <a:r>
               <a:rPr lang="en-US" dirty="0"/>
-              <a:t>Access to o will be granted to all callers</a:t>
+              <a:t>Allocating objects on the heap is more expensive than allocating objects on the stack. </a:t>
+            </a:r>
+          </a:p>
+          <a:p>
+            <a:r>
+              <a:rPr lang="en-US" dirty="0"/>
+              <a:t>Furthermore, objects that have been allocated on the stack do not need to be garbage collected, as the stack frame will be release after the method call.</a:t>
+            </a:r>
+          </a:p>
+          <a:p>
+            <a:r>
+              <a:rPr lang="en-US" dirty="0"/>
+              <a:t>Therefore, compilers, JITs and VMs often try to perform stack allocations, (e.g. the JVM does so at least since 9).</a:t>
+            </a:r>
+          </a:p>
+          <a:p>
+            <a:r>
+              <a:rPr lang="en-US" dirty="0"/>
+              <a:t>Stack allocation is only possible, if after the call of its allocating method, it is not needed anymore.</a:t>
             </a:r>
           </a:p>
         </p:txBody>
@@ -817,7 +1849,7 @@
           <a:p>
             <a:fld id="{7411A4FF-DED5-3D4D-A626-114F375D07D0}" type="slidenum">
               <a:rPr lang="en-US" smtClean="0"/>
-              <a:t>11</a:t>
+              <a:t>4</a:t>
             </a:fld>
             <a:endParaRPr lang="en-US"/>
           </a:p>
@@ -826,7 +1858,7 @@
     </p:spTree>
     <p:extLst>
       <p:ext uri="{BB962C8B-B14F-4D97-AF65-F5344CB8AC3E}">
-        <p14:creationId xmlns:p14="http://schemas.microsoft.com/office/powerpoint/2010/main" val="4280907885"/>
+        <p14:creationId xmlns:p14="http://schemas.microsoft.com/office/powerpoint/2010/main" val="4190953576"/>
       </p:ext>
     </p:extLst>
   </p:cSld>
@@ -880,7 +1912,66 @@
           <a:bodyPr/>
           <a:lstStyle/>
           <a:p>
-            <a:endParaRPr lang="en-US" dirty="0"/>
+            <a:r>
+              <a:rPr lang="en-US" dirty="0"/>
+              <a:t>Some objects do not need to be allocated at all. They only provide some abstraction/modularization and that can be </a:t>
+            </a:r>
+            <a:r>
+              <a:rPr lang="en-US" dirty="0" err="1"/>
+              <a:t>inlined</a:t>
+            </a:r>
+            <a:r>
+              <a:rPr lang="en-US" dirty="0"/>
+              <a:t> directly.</a:t>
+            </a:r>
+          </a:p>
+          <a:p>
+            <a:r>
+              <a:rPr lang="en-US" dirty="0"/>
+              <a:t>In the given example, the code of foo could be rewritten/optimized to: return </a:t>
+            </a:r>
+            <a:r>
+              <a:rPr lang="en-US" dirty="0" err="1"/>
+              <a:t>Math.PI</a:t>
+            </a:r>
+            <a:r>
+              <a:rPr lang="en-US" dirty="0"/>
+              <a:t> * 1 * 1;</a:t>
+            </a:r>
+          </a:p>
+          <a:p>
+            <a:r>
+              <a:rPr lang="en-US" dirty="0"/>
+              <a:t>This technique is called scalar replacement (performed by the JVM since Java 6).</a:t>
+            </a:r>
+          </a:p>
+          <a:p>
+            <a:r>
+              <a:rPr lang="en-US" dirty="0"/>
+              <a:t>In order to avoid allocation of objects, either only the allocating object access the object or all methods that access the object can be </a:t>
+            </a:r>
+            <a:r>
+              <a:rPr lang="en-US" dirty="0" err="1"/>
+              <a:t>inlined</a:t>
+            </a:r>
+            <a:r>
+              <a:rPr lang="en-US" dirty="0"/>
+              <a:t>.</a:t>
+            </a:r>
+          </a:p>
+          <a:p>
+            <a:r>
+              <a:rPr lang="en-US" dirty="0"/>
+              <a:t>For simplicity, escape analysis often does not perform </a:t>
+            </a:r>
+            <a:r>
+              <a:rPr lang="en-US" dirty="0" err="1"/>
+              <a:t>inlining</a:t>
+            </a:r>
+            <a:r>
+              <a:rPr lang="en-US" dirty="0"/>
+              <a:t> analysis.</a:t>
+            </a:r>
           </a:p>
         </p:txBody>
       </p:sp>
@@ -901,7 +1992,7 @@
           <a:p>
             <a:fld id="{7411A4FF-DED5-3D4D-A626-114F375D07D0}" type="slidenum">
               <a:rPr lang="en-US" smtClean="0"/>
-              <a:t>13</a:t>
+              <a:t>5</a:t>
             </a:fld>
             <a:endParaRPr lang="en-US"/>
           </a:p>
@@ -910,7 +2001,375 @@
     </p:spTree>
     <p:extLst>
       <p:ext uri="{BB962C8B-B14F-4D97-AF65-F5344CB8AC3E}">
-        <p14:creationId xmlns:p14="http://schemas.microsoft.com/office/powerpoint/2010/main" val="1858156308"/>
+        <p14:creationId xmlns:p14="http://schemas.microsoft.com/office/powerpoint/2010/main" val="3301692967"/>
+      </p:ext>
+    </p:extLst>
+  </p:cSld>
+  <p:clrMapOvr>
+    <a:masterClrMapping/>
+  </p:clrMapOvr>
+</p:notes>
+</file>
+
+<file path=ppt/notesSlides/notesSlide6.xml><?xml version="1.0" encoding="utf-8"?>
+<p:notes xmlns:a="http://schemas.openxmlformats.org/drawingml/2006/main" xmlns:r="http://schemas.openxmlformats.org/officeDocument/2006/relationships" xmlns:p="http://schemas.openxmlformats.org/presentationml/2006/main">
+  <p:cSld>
+    <p:spTree>
+      <p:nvGrpSpPr>
+        <p:cNvPr id="1" name=""/>
+        <p:cNvGrpSpPr/>
+        <p:nvPr/>
+      </p:nvGrpSpPr>
+      <p:grpSpPr>
+        <a:xfrm>
+          <a:off x="0" y="0"/>
+          <a:ext cx="0" cy="0"/>
+          <a:chOff x="0" y="0"/>
+          <a:chExt cx="0" cy="0"/>
+        </a:xfrm>
+      </p:grpSpPr>
+      <p:sp>
+        <p:nvSpPr>
+          <p:cNvPr id="2" name="Slide Image Placeholder 1"/>
+          <p:cNvSpPr>
+            <a:spLocks noGrp="1" noRot="1" noChangeAspect="1"/>
+          </p:cNvSpPr>
+          <p:nvPr>
+            <p:ph type="sldImg"/>
+          </p:nvPr>
+        </p:nvSpPr>
+        <p:spPr/>
+      </p:sp>
+      <p:sp>
+        <p:nvSpPr>
+          <p:cNvPr id="3" name="Notes Placeholder 2"/>
+          <p:cNvSpPr>
+            <a:spLocks noGrp="1"/>
+          </p:cNvSpPr>
+          <p:nvPr>
+            <p:ph type="body" idx="1"/>
+          </p:nvPr>
+        </p:nvSpPr>
+        <p:spPr/>
+        <p:txBody>
+          <a:bodyPr/>
+          <a:lstStyle/>
+          <a:p>
+            <a:r>
+              <a:rPr lang="en-US" dirty="0"/>
+              <a:t>Synchronization instructions introduce a lot overhead within the JVM. </a:t>
+            </a:r>
+          </a:p>
+          <a:p>
+            <a:r>
+              <a:rPr lang="en-US" dirty="0"/>
+              <a:t>If the object, that is used within the synchronization can not be accessed by any other thread, the synchronization is then useless and may be removed.</a:t>
+            </a:r>
+          </a:p>
+          <a:p>
+            <a:r>
+              <a:rPr lang="en-US" dirty="0"/>
+              <a:t>The JVM performs this optimization since Java 6.</a:t>
+            </a:r>
+          </a:p>
+        </p:txBody>
+      </p:sp>
+      <p:sp>
+        <p:nvSpPr>
+          <p:cNvPr id="4" name="Slide Number Placeholder 3"/>
+          <p:cNvSpPr>
+            <a:spLocks noGrp="1"/>
+          </p:cNvSpPr>
+          <p:nvPr>
+            <p:ph type="sldNum" sz="quarter" idx="5"/>
+          </p:nvPr>
+        </p:nvSpPr>
+        <p:spPr/>
+        <p:txBody>
+          <a:bodyPr/>
+          <a:lstStyle/>
+          <a:p>
+            <a:fld id="{7411A4FF-DED5-3D4D-A626-114F375D07D0}" type="slidenum">
+              <a:rPr lang="en-US" smtClean="0"/>
+              <a:t>6</a:t>
+            </a:fld>
+            <a:endParaRPr lang="en-US"/>
+          </a:p>
+        </p:txBody>
+      </p:sp>
+    </p:spTree>
+    <p:extLst>
+      <p:ext uri="{BB962C8B-B14F-4D97-AF65-F5344CB8AC3E}">
+        <p14:creationId xmlns:p14="http://schemas.microsoft.com/office/powerpoint/2010/main" val="350560275"/>
+      </p:ext>
+    </p:extLst>
+  </p:cSld>
+  <p:clrMapOvr>
+    <a:masterClrMapping/>
+  </p:clrMapOvr>
+</p:notes>
+</file>
+
+<file path=ppt/notesSlides/notesSlide7.xml><?xml version="1.0" encoding="utf-8"?>
+<p:notes xmlns:a="http://schemas.openxmlformats.org/drawingml/2006/main" xmlns:r="http://schemas.openxmlformats.org/officeDocument/2006/relationships" xmlns:p="http://schemas.openxmlformats.org/presentationml/2006/main">
+  <p:cSld>
+    <p:spTree>
+      <p:nvGrpSpPr>
+        <p:cNvPr id="1" name=""/>
+        <p:cNvGrpSpPr/>
+        <p:nvPr/>
+      </p:nvGrpSpPr>
+      <p:grpSpPr>
+        <a:xfrm>
+          <a:off x="0" y="0"/>
+          <a:ext cx="0" cy="0"/>
+          <a:chOff x="0" y="0"/>
+          <a:chExt cx="0" cy="0"/>
+        </a:xfrm>
+      </p:grpSpPr>
+      <p:sp>
+        <p:nvSpPr>
+          <p:cNvPr id="2" name="Slide Image Placeholder 1"/>
+          <p:cNvSpPr>
+            <a:spLocks noGrp="1" noRot="1" noChangeAspect="1"/>
+          </p:cNvSpPr>
+          <p:nvPr>
+            <p:ph type="sldImg"/>
+          </p:nvPr>
+        </p:nvSpPr>
+        <p:spPr/>
+      </p:sp>
+      <p:sp>
+        <p:nvSpPr>
+          <p:cNvPr id="3" name="Notes Placeholder 2"/>
+          <p:cNvSpPr>
+            <a:spLocks noGrp="1"/>
+          </p:cNvSpPr>
+          <p:nvPr>
+            <p:ph type="body" idx="1"/>
+          </p:nvPr>
+        </p:nvSpPr>
+        <p:spPr/>
+        <p:txBody>
+          <a:bodyPr/>
+          <a:lstStyle/>
+          <a:p>
+            <a:r>
+              <a:rPr lang="en-US" dirty="0"/>
+              <a:t>Accessibility describes, whether other methods or threads may have a reference to it and therefore it is possible to read/write fields of the object ,invoke methods on it, or pass it as an parameter.</a:t>
+            </a:r>
+          </a:p>
+        </p:txBody>
+      </p:sp>
+      <p:sp>
+        <p:nvSpPr>
+          <p:cNvPr id="4" name="Slide Number Placeholder 3"/>
+          <p:cNvSpPr>
+            <a:spLocks noGrp="1"/>
+          </p:cNvSpPr>
+          <p:nvPr>
+            <p:ph type="sldNum" sz="quarter" idx="5"/>
+          </p:nvPr>
+        </p:nvSpPr>
+        <p:spPr/>
+        <p:txBody>
+          <a:bodyPr/>
+          <a:lstStyle/>
+          <a:p>
+            <a:fld id="{7411A4FF-DED5-3D4D-A626-114F375D07D0}" type="slidenum">
+              <a:rPr lang="en-US" smtClean="0"/>
+              <a:t>7</a:t>
+            </a:fld>
+            <a:endParaRPr lang="en-US"/>
+          </a:p>
+        </p:txBody>
+      </p:sp>
+    </p:spTree>
+    <p:extLst>
+      <p:ext uri="{BB962C8B-B14F-4D97-AF65-F5344CB8AC3E}">
+        <p14:creationId xmlns:p14="http://schemas.microsoft.com/office/powerpoint/2010/main" val="803916943"/>
+      </p:ext>
+    </p:extLst>
+  </p:cSld>
+  <p:clrMapOvr>
+    <a:masterClrMapping/>
+  </p:clrMapOvr>
+</p:notes>
+</file>
+
+<file path=ppt/notesSlides/notesSlide8.xml><?xml version="1.0" encoding="utf-8"?>
+<p:notes xmlns:a="http://schemas.openxmlformats.org/drawingml/2006/main" xmlns:r="http://schemas.openxmlformats.org/officeDocument/2006/relationships" xmlns:p="http://schemas.openxmlformats.org/presentationml/2006/main">
+  <p:cSld>
+    <p:spTree>
+      <p:nvGrpSpPr>
+        <p:cNvPr id="1" name=""/>
+        <p:cNvGrpSpPr/>
+        <p:nvPr/>
+      </p:nvGrpSpPr>
+      <p:grpSpPr>
+        <a:xfrm>
+          <a:off x="0" y="0"/>
+          <a:ext cx="0" cy="0"/>
+          <a:chOff x="0" y="0"/>
+          <a:chExt cx="0" cy="0"/>
+        </a:xfrm>
+      </p:grpSpPr>
+      <p:sp>
+        <p:nvSpPr>
+          <p:cNvPr id="2" name="Slide Image Placeholder 1"/>
+          <p:cNvSpPr>
+            <a:spLocks noGrp="1" noRot="1" noChangeAspect="1"/>
+          </p:cNvSpPr>
+          <p:nvPr>
+            <p:ph type="sldImg"/>
+          </p:nvPr>
+        </p:nvSpPr>
+        <p:spPr/>
+      </p:sp>
+      <p:sp>
+        <p:nvSpPr>
+          <p:cNvPr id="3" name="Notes Placeholder 2"/>
+          <p:cNvSpPr>
+            <a:spLocks noGrp="1"/>
+          </p:cNvSpPr>
+          <p:nvPr>
+            <p:ph type="body" idx="1"/>
+          </p:nvPr>
+        </p:nvSpPr>
+        <p:spPr/>
+        <p:txBody>
+          <a:bodyPr/>
+          <a:lstStyle/>
+          <a:p>
+            <a:r>
+              <a:rPr lang="en-US" dirty="0"/>
+              <a:t>We will use *m* for methods and *t* for threads in the rest of the slides.</a:t>
+            </a:r>
+          </a:p>
+          <a:p>
+            <a:endParaRPr lang="en-US" dirty="0"/>
+          </a:p>
+        </p:txBody>
+      </p:sp>
+      <p:sp>
+        <p:nvSpPr>
+          <p:cNvPr id="4" name="Slide Number Placeholder 3"/>
+          <p:cNvSpPr>
+            <a:spLocks noGrp="1"/>
+          </p:cNvSpPr>
+          <p:nvPr>
+            <p:ph type="sldNum" sz="quarter" idx="5"/>
+          </p:nvPr>
+        </p:nvSpPr>
+        <p:spPr/>
+        <p:txBody>
+          <a:bodyPr/>
+          <a:lstStyle/>
+          <a:p>
+            <a:fld id="{7411A4FF-DED5-3D4D-A626-114F375D07D0}" type="slidenum">
+              <a:rPr lang="en-US" smtClean="0"/>
+              <a:t>8</a:t>
+            </a:fld>
+            <a:endParaRPr lang="en-US"/>
+          </a:p>
+        </p:txBody>
+      </p:sp>
+    </p:spTree>
+    <p:extLst>
+      <p:ext uri="{BB962C8B-B14F-4D97-AF65-F5344CB8AC3E}">
+        <p14:creationId xmlns:p14="http://schemas.microsoft.com/office/powerpoint/2010/main" val="6231800"/>
+      </p:ext>
+    </p:extLst>
+  </p:cSld>
+  <p:clrMapOvr>
+    <a:masterClrMapping/>
+  </p:clrMapOvr>
+</p:notes>
+</file>
+
+<file path=ppt/notesSlides/notesSlide9.xml><?xml version="1.0" encoding="utf-8"?>
+<p:notes xmlns:a="http://schemas.openxmlformats.org/drawingml/2006/main" xmlns:r="http://schemas.openxmlformats.org/officeDocument/2006/relationships" xmlns:p="http://schemas.openxmlformats.org/presentationml/2006/main">
+  <p:cSld>
+    <p:spTree>
+      <p:nvGrpSpPr>
+        <p:cNvPr id="1" name=""/>
+        <p:cNvGrpSpPr/>
+        <p:nvPr/>
+      </p:nvGrpSpPr>
+      <p:grpSpPr>
+        <a:xfrm>
+          <a:off x="0" y="0"/>
+          <a:ext cx="0" cy="0"/>
+          <a:chOff x="0" y="0"/>
+          <a:chExt cx="0" cy="0"/>
+        </a:xfrm>
+      </p:grpSpPr>
+      <p:sp>
+        <p:nvSpPr>
+          <p:cNvPr id="2" name="Slide Image Placeholder 1"/>
+          <p:cNvSpPr>
+            <a:spLocks noGrp="1" noRot="1" noChangeAspect="1"/>
+          </p:cNvSpPr>
+          <p:nvPr>
+            <p:ph type="sldImg"/>
+          </p:nvPr>
+        </p:nvSpPr>
+        <p:spPr/>
+      </p:sp>
+      <p:sp>
+        <p:nvSpPr>
+          <p:cNvPr id="3" name="Notes Placeholder 2"/>
+          <p:cNvSpPr>
+            <a:spLocks noGrp="1"/>
+          </p:cNvSpPr>
+          <p:nvPr>
+            <p:ph type="body" idx="1"/>
+          </p:nvPr>
+        </p:nvSpPr>
+        <p:spPr/>
+        <p:txBody>
+          <a:bodyPr/>
+          <a:lstStyle/>
+          <a:p>
+            <a:r>
+              <a:rPr lang="en-US" dirty="0"/>
+              <a:t>For case 2, it depends on whether m’ can be </a:t>
+            </a:r>
+            <a:r>
+              <a:rPr lang="en-US" dirty="0" err="1"/>
+              <a:t>inlined</a:t>
+            </a:r>
+            <a:endParaRPr lang="en-US" dirty="0"/>
+          </a:p>
+        </p:txBody>
+      </p:sp>
+      <p:sp>
+        <p:nvSpPr>
+          <p:cNvPr id="4" name="Slide Number Placeholder 3"/>
+          <p:cNvSpPr>
+            <a:spLocks noGrp="1"/>
+          </p:cNvSpPr>
+          <p:nvPr>
+            <p:ph type="sldNum" sz="quarter" idx="5"/>
+          </p:nvPr>
+        </p:nvSpPr>
+        <p:spPr/>
+        <p:txBody>
+          <a:bodyPr/>
+          <a:lstStyle/>
+          <a:p>
+            <a:fld id="{7411A4FF-DED5-3D4D-A626-114F375D07D0}" type="slidenum">
+              <a:rPr lang="en-US" smtClean="0"/>
+              <a:t>9</a:t>
+            </a:fld>
+            <a:endParaRPr lang="en-US"/>
+          </a:p>
+        </p:txBody>
+      </p:sp>
+    </p:spTree>
+    <p:extLst>
+      <p:ext uri="{BB962C8B-B14F-4D97-AF65-F5344CB8AC3E}">
+        <p14:creationId xmlns:p14="http://schemas.microsoft.com/office/powerpoint/2010/main" val="1564456556"/>
       </p:ext>
     </p:extLst>
   </p:cSld>
@@ -1051,7 +2510,7 @@
           <a:p>
             <a:fld id="{83AE5BA1-5FE9-8643-9874-F7693B1939DC}" type="datetimeFigureOut">
               <a:rPr lang="de-DE" smtClean="0"/>
-              <a:t>10.07.19</a:t>
+              <a:t>11.07.19</a:t>
             </a:fld>
             <a:endParaRPr lang="de-DE"/>
           </a:p>
@@ -1221,7 +2680,7 @@
           <a:p>
             <a:fld id="{83AE5BA1-5FE9-8643-9874-F7693B1939DC}" type="datetimeFigureOut">
               <a:rPr lang="de-DE" smtClean="0"/>
-              <a:t>10.07.19</a:t>
+              <a:t>11.07.19</a:t>
             </a:fld>
             <a:endParaRPr lang="de-DE"/>
           </a:p>
@@ -1401,7 +2860,7 @@
           <a:p>
             <a:fld id="{83AE5BA1-5FE9-8643-9874-F7693B1939DC}" type="datetimeFigureOut">
               <a:rPr lang="de-DE" smtClean="0"/>
-              <a:t>10.07.19</a:t>
+              <a:t>11.07.19</a:t>
             </a:fld>
             <a:endParaRPr lang="de-DE"/>
           </a:p>
@@ -1571,7 +3030,7 @@
           <a:p>
             <a:fld id="{83AE5BA1-5FE9-8643-9874-F7693B1939DC}" type="datetimeFigureOut">
               <a:rPr lang="de-DE" smtClean="0"/>
-              <a:t>10.07.19</a:t>
+              <a:t>11.07.19</a:t>
             </a:fld>
             <a:endParaRPr lang="de-DE"/>
           </a:p>
@@ -1815,7 +3274,7 @@
           <a:p>
             <a:fld id="{83AE5BA1-5FE9-8643-9874-F7693B1939DC}" type="datetimeFigureOut">
               <a:rPr lang="de-DE" smtClean="0"/>
-              <a:t>10.07.19</a:t>
+              <a:t>11.07.19</a:t>
             </a:fld>
             <a:endParaRPr lang="de-DE"/>
           </a:p>
@@ -2047,7 +3506,7 @@
           <a:p>
             <a:fld id="{83AE5BA1-5FE9-8643-9874-F7693B1939DC}" type="datetimeFigureOut">
               <a:rPr lang="de-DE" smtClean="0"/>
-              <a:t>10.07.19</a:t>
+              <a:t>11.07.19</a:t>
             </a:fld>
             <a:endParaRPr lang="de-DE"/>
           </a:p>
@@ -2414,7 +3873,7 @@
           <a:p>
             <a:fld id="{83AE5BA1-5FE9-8643-9874-F7693B1939DC}" type="datetimeFigureOut">
               <a:rPr lang="de-DE" smtClean="0"/>
-              <a:t>10.07.19</a:t>
+              <a:t>11.07.19</a:t>
             </a:fld>
             <a:endParaRPr lang="de-DE"/>
           </a:p>
@@ -2532,7 +3991,7 @@
           <a:p>
             <a:fld id="{83AE5BA1-5FE9-8643-9874-F7693B1939DC}" type="datetimeFigureOut">
               <a:rPr lang="de-DE" smtClean="0"/>
-              <a:t>10.07.19</a:t>
+              <a:t>11.07.19</a:t>
             </a:fld>
             <a:endParaRPr lang="de-DE"/>
           </a:p>
@@ -2627,7 +4086,7 @@
           <a:p>
             <a:fld id="{83AE5BA1-5FE9-8643-9874-F7693B1939DC}" type="datetimeFigureOut">
               <a:rPr lang="de-DE" smtClean="0"/>
-              <a:t>10.07.19</a:t>
+              <a:t>11.07.19</a:t>
             </a:fld>
             <a:endParaRPr lang="de-DE"/>
           </a:p>
@@ -2904,7 +4363,7 @@
           <a:p>
             <a:fld id="{83AE5BA1-5FE9-8643-9874-F7693B1939DC}" type="datetimeFigureOut">
               <a:rPr lang="de-DE" smtClean="0"/>
-              <a:t>10.07.19</a:t>
+              <a:t>11.07.19</a:t>
             </a:fld>
             <a:endParaRPr lang="de-DE"/>
           </a:p>
@@ -3160,7 +4619,7 @@
           <a:p>
             <a:fld id="{83AE5BA1-5FE9-8643-9874-F7693B1939DC}" type="datetimeFigureOut">
               <a:rPr lang="de-DE" smtClean="0"/>
-              <a:t>10.07.19</a:t>
+              <a:t>11.07.19</a:t>
             </a:fld>
             <a:endParaRPr lang="de-DE"/>
           </a:p>
@@ -3373,7 +4832,7 @@
           <a:p>
             <a:fld id="{83AE5BA1-5FE9-8643-9874-F7693B1939DC}" type="datetimeFigureOut">
               <a:rPr lang="de-DE" smtClean="0"/>
-              <a:t>10.07.19</a:t>
+              <a:t>11.07.19</a:t>
             </a:fld>
             <a:endParaRPr lang="de-DE"/>
           </a:p>
@@ -3887,7 +5346,7 @@
           <a:p>
             <a:r>
               <a:rPr lang="en-US" dirty="0"/>
-              <a:t>Language Features</a:t>
+              <a:t>Method Calls</a:t>
             </a:r>
           </a:p>
         </p:txBody>
@@ -4611,7 +6070,7 @@
           <a:p>
             <a:r>
               <a:rPr lang="en-US" dirty="0"/>
-              <a:t>Language Features (cont.)</a:t>
+              <a:t>Method Returns</a:t>
             </a:r>
           </a:p>
         </p:txBody>
@@ -5370,7 +6829,7 @@
           <a:p>
             <a:r>
               <a:rPr lang="en-US" dirty="0"/>
-              <a:t>Language Features (cont.)</a:t>
+              <a:t>Unhandled Exceptions</a:t>
             </a:r>
           </a:p>
         </p:txBody>
@@ -6118,7 +7577,7 @@
           <a:p>
             <a:r>
               <a:rPr lang="en-US" dirty="0"/>
-              <a:t>Language Features (cont.)</a:t>
+              <a:t>Mutating the State of Given Parameters</a:t>
             </a:r>
           </a:p>
         </p:txBody>
@@ -6994,7 +8453,7 @@
           <a:p>
             <a:r>
               <a:rPr lang="en-US" dirty="0"/>
-              <a:t>Language Features (cont.)</a:t>
+              <a:t>Writing Static Fields</a:t>
             </a:r>
           </a:p>
         </p:txBody>
@@ -10434,7 +11893,7 @@
           <a:p>
             <a:r>
               <a:rPr lang="en-US" dirty="0"/>
-              <a:t>Challenges of the Implementation</a:t>
+              <a:t>Handling Constructor Calls</a:t>
             </a:r>
           </a:p>
         </p:txBody>
@@ -10634,7 +12093,7 @@
         <p:spPr>
           <a:xfrm>
             <a:off x="628650" y="3016252"/>
-            <a:ext cx="7886700" cy="1200329"/>
+            <a:ext cx="7886700" cy="2677656"/>
           </a:xfrm>
           <a:prstGeom prst="rect">
             <a:avLst/>
@@ -10653,7 +12112,15 @@
             </a:pPr>
             <a:r>
               <a:rPr lang="en-US" sz="2400" dirty="0"/>
-              <a:t>Distinguish between constructor and other calls</a:t>
+              <a:t>As known from the lecture, the JVM distinguishes between object allocation and invocations of &lt;</a:t>
+            </a:r>
+            <a:r>
+              <a:rPr lang="en-US" sz="2400" dirty="0" err="1"/>
+              <a:t>init</a:t>
+            </a:r>
+            <a:r>
+              <a:rPr lang="en-US" sz="2400" dirty="0"/>
+              <a:t>&gt;.</a:t>
             </a:r>
           </a:p>
           <a:p>
@@ -10663,8 +12130,31 @@
             </a:pPr>
             <a:r>
               <a:rPr lang="en-US" sz="2400" dirty="0"/>
-              <a:t>Requires (at least some) inter-procedural analysis</a:t>
-            </a:r>
+              <a:t>Distinguish between constructor and other calls as &lt;</a:t>
+            </a:r>
+            <a:r>
+              <a:rPr lang="en-US" sz="2400" dirty="0" err="1"/>
+              <a:t>init</a:t>
+            </a:r>
+            <a:r>
+              <a:rPr lang="en-US" sz="2400" dirty="0"/>
+              <a:t>&gt; does not let escape the object per-se.</a:t>
+            </a:r>
+          </a:p>
+          <a:p>
+            <a:pPr marL="285750" indent="-285750">
+              <a:buFont typeface="Arial" panose="020B0604020202020204" pitchFamily="34" charset="0"/>
+              <a:buChar char="•"/>
+            </a:pPr>
+            <a:r>
+              <a:rPr lang="en-US" sz="2400" dirty="0"/>
+              <a:t>Requires (at least some) inter-procedural analysis if it is not the constructor of </a:t>
+            </a:r>
+            <a:r>
+              <a:rPr lang="en-US" sz="2400" dirty="0" err="1"/>
+              <a:t>java.lang.Object</a:t>
+            </a:r>
+            <a:endParaRPr lang="en-US" sz="2400" dirty="0"/>
           </a:p>
           <a:p>
             <a:pPr marL="285750" indent="-285750">
@@ -10728,7 +12218,7 @@
           <a:p>
             <a:r>
               <a:rPr lang="en-US" dirty="0"/>
-              <a:t>Challenges of the Implementation</a:t>
+              <a:t>May-Alias Analysis and Fields</a:t>
             </a:r>
           </a:p>
         </p:txBody>
@@ -10749,22 +12239,18 @@
             <p:ph idx="1"/>
           </p:nvPr>
         </p:nvSpPr>
-        <p:spPr/>
+        <p:spPr>
+          <a:xfrm>
+            <a:off x="628650" y="1690689"/>
+            <a:ext cx="7886700" cy="4351338"/>
+          </a:xfrm>
+        </p:spPr>
         <p:txBody>
           <a:bodyPr>
             <a:normAutofit/>
           </a:bodyPr>
           <a:lstStyle/>
           <a:p>
-            <a:pPr marL="0" indent="0">
-              <a:buNone/>
-            </a:pPr>
-            <a:r>
-              <a:rPr lang="en-US" dirty="0"/>
-              <a:t>Handling fields:</a:t>
-            </a:r>
-          </a:p>
-          <a:p>
             <a:pPr marL="457200" lvl="1" indent="0">
               <a:buNone/>
             </a:pPr>
@@ -10801,6 +12287,67 @@
             </a:r>
             <a:r>
               <a:rPr lang="en-US" dirty="0"/>
+              <a:t>;</a:t>
+            </a:r>
+          </a:p>
+          <a:p>
+            <a:pPr marL="457200" lvl="1" indent="0">
+              <a:buNone/>
+            </a:pPr>
+            <a:r>
+              <a:rPr lang="en-US" b="1" dirty="0">
+                <a:solidFill>
+                  <a:srgbClr val="000080"/>
+                </a:solidFill>
+              </a:rPr>
+              <a:t>    </a:t>
+            </a:r>
+            <a:r>
+              <a:rPr lang="de-DE" b="1" dirty="0" err="1">
+                <a:solidFill>
+                  <a:srgbClr val="000080"/>
+                </a:solidFill>
+              </a:rPr>
+              <a:t>public</a:t>
+            </a:r>
+            <a:r>
+              <a:rPr lang="de-DE" dirty="0"/>
+              <a:t> </a:t>
+            </a:r>
+            <a:r>
+              <a:rPr lang="de-DE" b="1" dirty="0" err="1">
+                <a:solidFill>
+                  <a:srgbClr val="000080"/>
+                </a:solidFill>
+              </a:rPr>
+              <a:t>static</a:t>
+            </a:r>
+            <a:r>
+              <a:rPr lang="de-DE" b="1" dirty="0">
+                <a:solidFill>
+                  <a:srgbClr val="000080"/>
+                </a:solidFill>
+              </a:rPr>
+              <a:t> </a:t>
+            </a:r>
+            <a:r>
+              <a:rPr lang="de-DE" dirty="0" err="1"/>
+              <a:t>Object</a:t>
+            </a:r>
+            <a:r>
+              <a:rPr lang="de-DE" dirty="0"/>
+              <a:t> </a:t>
+            </a:r>
+            <a:r>
+              <a:rPr lang="de-DE" i="1" dirty="0">
+                <a:solidFill>
+                  <a:srgbClr val="660E7A"/>
+                </a:solidFill>
+              </a:rPr>
+              <a:t>global</a:t>
+            </a:r>
+            <a:r>
+              <a:rPr lang="de-DE" dirty="0"/>
               <a:t>;</a:t>
             </a:r>
             <a:br>
@@ -10858,6 +12405,43 @@
               <a:rPr lang="en-US" dirty="0"/>
               <a:t>();</a:t>
             </a:r>
+          </a:p>
+          <a:p>
+            <a:pPr marL="457200" lvl="1" indent="0">
+              <a:buNone/>
+            </a:pPr>
+            <a:r>
+              <a:rPr lang="en-US" dirty="0"/>
+              <a:t>        </a:t>
+            </a:r>
+            <a:r>
+              <a:rPr lang="en-US" dirty="0" err="1"/>
+              <a:t>MyClass</a:t>
+            </a:r>
+            <a:r>
+              <a:rPr lang="en-US" dirty="0"/>
+              <a:t>.</a:t>
+            </a:r>
+            <a:r>
+              <a:rPr lang="de-DE" i="1" dirty="0">
+                <a:solidFill>
+                  <a:srgbClr val="660E7A"/>
+                </a:solidFill>
+              </a:rPr>
+              <a:t>global </a:t>
+            </a:r>
+            <a:r>
+              <a:rPr lang="en-US" dirty="0"/>
+              <a:t>= c1; </a:t>
+            </a:r>
+            <a:r>
+              <a:rPr lang="en-US" i="1" dirty="0">
+                <a:solidFill>
+                  <a:srgbClr val="808080"/>
+                </a:solidFill>
+              </a:rPr>
+              <a:t>// c1 escapes</a:t>
+            </a:r>
             <a:br>
               <a:rPr lang="en-US" dirty="0"/>
             </a:br>
@@ -10879,7 +12463,7 @@
                   <a:srgbClr val="808080"/>
                 </a:solidFill>
               </a:rPr>
-              <a:t>// requires may alias detection</a:t>
+              <a:t>// requires may-alias detection</a:t>
             </a:r>
             <a:br>
               <a:rPr lang="en-US" dirty="0"/>
@@ -10925,15 +12509,7 @@
                   <a:srgbClr val="808080"/>
                 </a:solidFill>
               </a:rPr>
-              <a:t>// if c2 does not escape, o does not </a:t>
-            </a:r>
-            <a:r>
-              <a:rPr lang="en-US" i="1" dirty="0" err="1">
-                <a:solidFill>
-                  <a:srgbClr val="808080"/>
-                </a:solidFill>
-              </a:rPr>
-              <a:t>aswell</a:t>
+              <a:t>// c2 does escape, therefor o does as well</a:t>
             </a:r>
             <a:br>
               <a:rPr lang="en-US" i="1" dirty="0">
@@ -11074,7 +12650,7 @@
             </a:r>
             <a:r>
               <a:rPr lang="en-US" dirty="0">
-                <a:hlinkClick r:id="rId2"/>
+                <a:hlinkClick r:id="rId3"/>
               </a:rPr>
               <a:t>kuebler@cs.tu-darmstadt.de</a:t>
             </a:r>
@@ -11635,18 +13211,9 @@
           <a:p>
             <a:r>
               <a:rPr lang="de-DE" dirty="0">
-                <a:hlinkClick r:id="rId2"/>
+                <a:hlinkClick r:id="rId3"/>
               </a:rPr>
               <a:t>https://shipilev.net/jvm/anatomy-quarks/19-lock-elision/</a:t>
-            </a:r>
-            <a:endParaRPr lang="de-DE" dirty="0"/>
-          </a:p>
-          <a:p>
-            <a:r>
-              <a:rPr lang="de-DE" dirty="0">
-                <a:hlinkClick r:id="rId3"/>
-              </a:rPr>
-              <a:t>https://docs.oracle.com/javase/8/docs/technotes/guides/vm/performance-enhancements-7.html</a:t>
             </a:r>
             <a:endParaRPr lang="de-DE" dirty="0"/>
           </a:p>
@@ -11655,7 +13222,7 @@
               <a:rPr lang="de-DE" dirty="0">
                 <a:hlinkClick r:id="rId4"/>
               </a:rPr>
-              <a:t>https://dzone.com/articles/overview-of-javas-escape-analysis</a:t>
+              <a:t>https://docs.oracle.com/javase/8/docs/technotes/guides/vm/performance-enhancements-7.html</a:t>
             </a:r>
             <a:endParaRPr lang="de-DE" dirty="0"/>
           </a:p>
@@ -11663,6 +13230,15 @@
             <a:r>
               <a:rPr lang="de-DE" dirty="0">
                 <a:hlinkClick r:id="rId5"/>
+              </a:rPr>
+              <a:t>https://dzone.com/articles/overview-of-javas-escape-analysis</a:t>
+            </a:r>
+            <a:endParaRPr lang="de-DE" dirty="0"/>
+          </a:p>
+          <a:p>
+            <a:r>
+              <a:rPr lang="de-DE" dirty="0">
+                <a:hlinkClick r:id="rId6"/>
               </a:rPr>
               <a:t>https://dzone.com/articles/escape-analysis</a:t>
             </a:r>
